--- a/play/docs/my_bev.pptx
+++ b/play/docs/my_bev.pptx
@@ -111,7 +111,16 @@
       </a:defRPr>
     </a:lvl9pPr>
   </p:defaultTextStyle>
+  <p:extLst>
+    <p:ext uri="{EFAFB233-063F-42B5-8137-9DF3F51BA10A}">
+      <p15:sldGuideLst xmlns:p15="http://schemas.microsoft.com/office/powerpoint/2012/main"/>
+    </p:ext>
+  </p:extLst>
 </p:presentation>
+</file>
+
+<file path=ppt/revisionInfo.xml><?xml version="1.0" encoding="utf-8"?>
+<p1510:revInfo xmlns:a="http://schemas.openxmlformats.org/drawingml/2006/main" xmlns:r="http://schemas.openxmlformats.org/officeDocument/2006/relationships" xmlns:p1510="http://schemas.microsoft.com/office/powerpoint/2015/10/main"/>
 </file>
 
 <file path=ppt/slideLayouts/slideLayout1.xml><?xml version="1.0" encoding="utf-8"?>
@@ -261,7 +270,7 @@
           <a:p>
             <a:fld id="{A5F54AD8-0C7C-4E27-A5A6-1EEB5D17C564}" type="datetimeFigureOut">
               <a:rPr lang="en-US" smtClean="0"/>
-              <a:t>5/31/2018</a:t>
+              <a:t>6/1/2018</a:t>
             </a:fld>
             <a:endParaRPr lang="en-US"/>
           </a:p>
@@ -459,7 +468,7 @@
           <a:p>
             <a:fld id="{A5F54AD8-0C7C-4E27-A5A6-1EEB5D17C564}" type="datetimeFigureOut">
               <a:rPr lang="en-US" smtClean="0"/>
-              <a:t>5/31/2018</a:t>
+              <a:t>6/1/2018</a:t>
             </a:fld>
             <a:endParaRPr lang="en-US"/>
           </a:p>
@@ -667,7 +676,7 @@
           <a:p>
             <a:fld id="{A5F54AD8-0C7C-4E27-A5A6-1EEB5D17C564}" type="datetimeFigureOut">
               <a:rPr lang="en-US" smtClean="0"/>
-              <a:t>5/31/2018</a:t>
+              <a:t>6/1/2018</a:t>
             </a:fld>
             <a:endParaRPr lang="en-US"/>
           </a:p>
@@ -865,7 +874,7 @@
           <a:p>
             <a:fld id="{A5F54AD8-0C7C-4E27-A5A6-1EEB5D17C564}" type="datetimeFigureOut">
               <a:rPr lang="en-US" smtClean="0"/>
-              <a:t>5/31/2018</a:t>
+              <a:t>6/1/2018</a:t>
             </a:fld>
             <a:endParaRPr lang="en-US"/>
           </a:p>
@@ -1140,7 +1149,7 @@
           <a:p>
             <a:fld id="{A5F54AD8-0C7C-4E27-A5A6-1EEB5D17C564}" type="datetimeFigureOut">
               <a:rPr lang="en-US" smtClean="0"/>
-              <a:t>5/31/2018</a:t>
+              <a:t>6/1/2018</a:t>
             </a:fld>
             <a:endParaRPr lang="en-US"/>
           </a:p>
@@ -1405,7 +1414,7 @@
           <a:p>
             <a:fld id="{A5F54AD8-0C7C-4E27-A5A6-1EEB5D17C564}" type="datetimeFigureOut">
               <a:rPr lang="en-US" smtClean="0"/>
-              <a:t>5/31/2018</a:t>
+              <a:t>6/1/2018</a:t>
             </a:fld>
             <a:endParaRPr lang="en-US"/>
           </a:p>
@@ -1817,7 +1826,7 @@
           <a:p>
             <a:fld id="{A5F54AD8-0C7C-4E27-A5A6-1EEB5D17C564}" type="datetimeFigureOut">
               <a:rPr lang="en-US" smtClean="0"/>
-              <a:t>5/31/2018</a:t>
+              <a:t>6/1/2018</a:t>
             </a:fld>
             <a:endParaRPr lang="en-US"/>
           </a:p>
@@ -1958,7 +1967,7 @@
           <a:p>
             <a:fld id="{A5F54AD8-0C7C-4E27-A5A6-1EEB5D17C564}" type="datetimeFigureOut">
               <a:rPr lang="en-US" smtClean="0"/>
-              <a:t>5/31/2018</a:t>
+              <a:t>6/1/2018</a:t>
             </a:fld>
             <a:endParaRPr lang="en-US"/>
           </a:p>
@@ -2071,7 +2080,7 @@
           <a:p>
             <a:fld id="{A5F54AD8-0C7C-4E27-A5A6-1EEB5D17C564}" type="datetimeFigureOut">
               <a:rPr lang="en-US" smtClean="0"/>
-              <a:t>5/31/2018</a:t>
+              <a:t>6/1/2018</a:t>
             </a:fld>
             <a:endParaRPr lang="en-US"/>
           </a:p>
@@ -2382,7 +2391,7 @@
           <a:p>
             <a:fld id="{A5F54AD8-0C7C-4E27-A5A6-1EEB5D17C564}" type="datetimeFigureOut">
               <a:rPr lang="en-US" smtClean="0"/>
-              <a:t>5/31/2018</a:t>
+              <a:t>6/1/2018</a:t>
             </a:fld>
             <a:endParaRPr lang="en-US"/>
           </a:p>
@@ -2670,7 +2679,7 @@
           <a:p>
             <a:fld id="{A5F54AD8-0C7C-4E27-A5A6-1EEB5D17C564}" type="datetimeFigureOut">
               <a:rPr lang="en-US" smtClean="0"/>
-              <a:t>5/31/2018</a:t>
+              <a:t>6/1/2018</a:t>
             </a:fld>
             <a:endParaRPr lang="en-US"/>
           </a:p>
@@ -2911,7 +2920,7 @@
           <a:p>
             <a:fld id="{A5F54AD8-0C7C-4E27-A5A6-1EEB5D17C564}" type="datetimeFigureOut">
               <a:rPr lang="en-US" smtClean="0"/>
-              <a:t>5/31/2018</a:t>
+              <a:t>6/1/2018</a:t>
             </a:fld>
             <a:endParaRPr lang="en-US"/>
           </a:p>
@@ -3473,8 +3482,13 @@
           <a:p>
             <a:r>
               <a:rPr lang="en-US" dirty="0"/>
-              <a:t>We can get higher Rx gain using a separate antenna</a:t>
-            </a:r>
+              <a:t>We can use separate antennas for Rx and </a:t>
+            </a:r>
+            <a:r>
+              <a:rPr lang="en-US" dirty="0" err="1"/>
+              <a:t>Tx</a:t>
+            </a:r>
+            <a:endParaRPr lang="en-US" dirty="0"/>
           </a:p>
           <a:p>
             <a:r>
@@ -3485,7 +3499,7 @@
           <a:p>
             <a:r>
               <a:rPr lang="en-US" dirty="0"/>
-              <a:t>It’s easy to setup (and teardown/move)</a:t>
+              <a:t>It’s easy to setup (and teardown/move) – can hang between 2 trees</a:t>
             </a:r>
           </a:p>
           <a:p>
@@ -3497,17 +3511,8 @@
           <a:p>
             <a:r>
               <a:rPr lang="en-US" dirty="0"/>
-              <a:t>It’s possible to use shorter wires and still get good reception</a:t>
-            </a:r>
-          </a:p>
-          <a:p>
-            <a:r>
-              <a:rPr lang="en-US" dirty="0"/>
-              <a:t>Drawback: It requires a very long wire (0.5 to 1.0 lambda)</a:t>
-            </a:r>
-          </a:p>
-          <a:p>
-            <a:endParaRPr lang="en-US" dirty="0"/>
+              <a:t>It’s possible to use shorter ¼ lambda wires and still get good reception</a:t>
+            </a:r>
           </a:p>
           <a:p>
             <a:pPr marL="0" indent="0">
@@ -3570,7 +3575,7 @@
           <a:p>
             <a:r>
               <a:rPr lang="en-US" dirty="0"/>
-              <a:t>20 meter beverage ingredients</a:t>
+              <a:t>Beverage ingredients</a:t>
             </a:r>
           </a:p>
         </p:txBody>
@@ -3600,19 +3605,7 @@
           <a:p>
             <a:r>
               <a:rPr lang="en-US" dirty="0"/>
-              <a:t>A horizontal 26 AWG mag wire approximately 60’ long.</a:t>
-            </a:r>
-          </a:p>
-          <a:p>
-            <a:r>
-              <a:rPr lang="en-US" dirty="0"/>
-              <a:t>Above ground about 4 feet.</a:t>
-            </a:r>
-          </a:p>
-          <a:p>
-            <a:r>
-              <a:rPr lang="en-US" dirty="0"/>
-              <a:t>Any suspension hardware, needs to be insulated from the mag wire.</a:t>
+              <a:t>Cu stranded insulated wire approximately 60’ long.</a:t>
             </a:r>
           </a:p>
           <a:p>
@@ -3630,23 +3623,8 @@
           <a:p>
             <a:r>
               <a:rPr lang="en-US" dirty="0"/>
-              <a:t>Feedline transformer (8-turn </a:t>
-            </a:r>
-            <a:r>
-              <a:rPr lang="en-US" dirty="0" err="1"/>
-              <a:t>trifilar</a:t>
-            </a:r>
-            <a:r>
-              <a:rPr lang="en-US" dirty="0"/>
-              <a:t> winding) – design by ON4UN available </a:t>
-            </a:r>
-            <a:r>
-              <a:rPr lang="en-US" dirty="0">
-                <a:hlinkClick r:id="rId2"/>
-              </a:rPr>
-              <a:t>https://www.arrl.org/shop/ON4UN-s-Low-Band-DXing</a:t>
-            </a:r>
-            <a:endParaRPr lang="en-US" dirty="0"/>
+              <a:t>Feedline transformer</a:t>
+            </a:r>
           </a:p>
           <a:p>
             <a:r>
@@ -4156,8 +4134,45 @@
           <a:p>
             <a:r>
               <a:rPr lang="en-US" dirty="0"/>
-              <a:t>So the dB gain is due to increased SNR.</a:t>
-            </a:r>
+              <a:t>The dB gain is due to increased SNR, but its still pretty low around -20 to -10 </a:t>
+            </a:r>
+            <a:r>
+              <a:rPr lang="en-US" dirty="0" err="1"/>
+              <a:t>dBi</a:t>
+            </a:r>
+            <a:r>
+              <a:rPr lang="en-US" dirty="0"/>
+              <a:t>.</a:t>
+            </a:r>
+          </a:p>
+          <a:p>
+            <a:r>
+              <a:rPr lang="en-US" dirty="0"/>
+              <a:t>The incoming wave acts like an electron bulldozer, aka a travelling wave antenna – it does not resonate.</a:t>
+            </a:r>
+          </a:p>
+          <a:p>
+            <a:r>
+              <a:rPr lang="en-US" dirty="0"/>
+              <a:t>The E field is tilted due to resistance in the earth causing a drag effect </a:t>
+            </a:r>
+            <a:r>
+              <a:rPr lang="en-US"/>
+              <a:t>and acting </a:t>
+            </a:r>
+            <a:r>
+              <a:rPr lang="en-US" dirty="0"/>
+              <a:t>like a bulldozer’s shovel, pushing the electrons down the pike.</a:t>
+            </a:r>
+          </a:p>
+          <a:p>
+            <a:endParaRPr lang="en-US" dirty="0"/>
+          </a:p>
+          <a:p>
+            <a:endParaRPr lang="en-US" dirty="0"/>
+          </a:p>
+          <a:p>
+            <a:endParaRPr lang="en-US" dirty="0"/>
           </a:p>
           <a:p>
             <a:endParaRPr lang="en-US" dirty="0"/>
